--- a/docs/Apresentação 2 - 20211111.pptx
+++ b/docs/Apresentação 2 - 20211111.pptx
@@ -5,16 +5,15 @@
     <p:sldMasterId id="2147483659" r:id="rId1"/>
   </p:sldMasterIdLst>
   <p:notesMasterIdLst>
-    <p:notesMasterId r:id="rId9"/>
+    <p:notesMasterId r:id="rId8"/>
   </p:notesMasterIdLst>
   <p:sldIdLst>
     <p:sldId id="256" r:id="rId2"/>
     <p:sldId id="257" r:id="rId3"/>
-    <p:sldId id="259" r:id="rId4"/>
+    <p:sldId id="260" r:id="rId4"/>
     <p:sldId id="258" r:id="rId5"/>
-    <p:sldId id="260" r:id="rId6"/>
-    <p:sldId id="261" r:id="rId7"/>
-    <p:sldId id="262" r:id="rId8"/>
+    <p:sldId id="261" r:id="rId6"/>
+    <p:sldId id="262" r:id="rId7"/>
   </p:sldIdLst>
   <p:sldSz cx="9144000" cy="5143500" type="screen16x9"/>
   <p:notesSz cx="6858000" cy="9144000"/>
@@ -961,7 +960,7 @@
   <p:cSld>
     <p:spTree>
       <p:nvGrpSpPr>
-        <p:cNvPr id="1" name="Shape 68"/>
+        <p:cNvPr id="1" name="Shape 74"/>
         <p:cNvGrpSpPr/>
         <p:nvPr/>
       </p:nvGrpSpPr>
@@ -975,7 +974,7 @@
       </p:grpSpPr>
       <p:sp>
         <p:nvSpPr>
-          <p:cNvPr id="69" name="Google Shape;69;gf6254c5e42_0_10:notes"/>
+          <p:cNvPr id="75" name="Google Shape;75;gf6254c5e42_0_25:notes"/>
           <p:cNvSpPr>
             <a:spLocks noGrp="1" noRot="1" noChangeAspect="1"/>
           </p:cNvSpPr>
@@ -1016,7 +1015,7 @@
       </p:sp>
       <p:sp>
         <p:nvSpPr>
-          <p:cNvPr id="70" name="Google Shape;70;gf6254c5e42_0_10:notes"/>
+          <p:cNvPr id="76" name="Google Shape;76;gf6254c5e42_0_25:notes"/>
           <p:cNvSpPr txBox="1">
             <a:spLocks noGrp="1"/>
           </p:cNvSpPr>
@@ -1039,7 +1038,7 @@
           </a:bodyPr>
           <a:lstStyle/>
           <a:p>
-            <a:pPr marL="0" lvl="0" indent="0" algn="l" rtl="0">
+            <a:pPr marL="457200" lvl="0" indent="0" algn="l" rtl="0">
               <a:lnSpc>
                 <a:spcPct val="115000"/>
               </a:lnSpc>
@@ -1047,7 +1046,7 @@
                 <a:spcPts val="0"/>
               </a:spcBef>
               <a:spcAft>
-                <a:spcPts val="0"/>
+                <a:spcPts val="1200"/>
               </a:spcAft>
               <a:buNone/>
             </a:pPr>
@@ -1057,45 +1056,9 @@
                   <a:srgbClr val="595959"/>
                 </a:solidFill>
               </a:rPr>
-              <a:t>Datasets que serão utilizados para treino e avaliação dos modelos /</a:t>
-            </a:r>
-            <a:r>
-              <a:rPr lang="pt-BR" sz="1400">
-                <a:solidFill>
-                  <a:schemeClr val="dk1"/>
-                </a:solidFill>
-              </a:rPr>
-              <a:t> Precisa ser dataset de acesso público </a:t>
-            </a:r>
-            <a:endParaRPr sz="1400">
-              <a:solidFill>
-                <a:schemeClr val="dk1"/>
-              </a:solidFill>
-            </a:endParaRPr>
-          </a:p>
-          <a:p>
-            <a:pPr marL="0" lvl="0" indent="0" algn="l" rtl="0">
-              <a:lnSpc>
-                <a:spcPct val="115000"/>
-              </a:lnSpc>
-              <a:spcBef>
-                <a:spcPts val="1200"/>
-              </a:spcBef>
-              <a:spcAft>
-                <a:spcPts val="1200"/>
-              </a:spcAft>
-              <a:buClr>
-                <a:schemeClr val="dk1"/>
-              </a:buClr>
-              <a:buSzPts val="1100"/>
-              <a:buFont typeface="Arial"/>
-              <a:buNone/>
-            </a:pPr>
-            <a:endParaRPr sz="1800">
-              <a:solidFill>
-                <a:srgbClr val="595959"/>
-              </a:solidFill>
-            </a:endParaRPr>
+              <a:t>Métricas de avaliação do modelo proposto</a:t>
+            </a:r>
+            <a:endParaRPr/>
           </a:p>
         </p:txBody>
       </p:sp>
@@ -1232,121 +1195,6 @@
   <p:cSld>
     <p:spTree>
       <p:nvGrpSpPr>
-        <p:cNvPr id="1" name="Shape 74"/>
-        <p:cNvGrpSpPr/>
-        <p:nvPr/>
-      </p:nvGrpSpPr>
-      <p:grpSpPr>
-        <a:xfrm>
-          <a:off x="0" y="0"/>
-          <a:ext cx="0" cy="0"/>
-          <a:chOff x="0" y="0"/>
-          <a:chExt cx="0" cy="0"/>
-        </a:xfrm>
-      </p:grpSpPr>
-      <p:sp>
-        <p:nvSpPr>
-          <p:cNvPr id="75" name="Google Shape;75;gf6254c5e42_0_25:notes"/>
-          <p:cNvSpPr>
-            <a:spLocks noGrp="1" noRot="1" noChangeAspect="1"/>
-          </p:cNvSpPr>
-          <p:nvPr>
-            <p:ph type="sldImg" idx="2"/>
-          </p:nvPr>
-        </p:nvSpPr>
-        <p:spPr>
-          <a:xfrm>
-            <a:off x="381000" y="685800"/>
-            <a:ext cx="6096000" cy="3429000"/>
-          </a:xfrm>
-          <a:custGeom>
-            <a:avLst/>
-            <a:gdLst/>
-            <a:ahLst/>
-            <a:cxnLst/>
-            <a:rect l="l" t="t" r="r" b="b"/>
-            <a:pathLst>
-              <a:path w="120000" h="120000" extrusionOk="0">
-                <a:moveTo>
-                  <a:pt x="0" y="0"/>
-                </a:moveTo>
-                <a:lnTo>
-                  <a:pt x="120000" y="0"/>
-                </a:lnTo>
-                <a:lnTo>
-                  <a:pt x="120000" y="120000"/>
-                </a:lnTo>
-                <a:lnTo>
-                  <a:pt x="0" y="120000"/>
-                </a:lnTo>
-                <a:close/>
-              </a:path>
-            </a:pathLst>
-          </a:custGeom>
-        </p:spPr>
-      </p:sp>
-      <p:sp>
-        <p:nvSpPr>
-          <p:cNvPr id="76" name="Google Shape;76;gf6254c5e42_0_25:notes"/>
-          <p:cNvSpPr txBox="1">
-            <a:spLocks noGrp="1"/>
-          </p:cNvSpPr>
-          <p:nvPr>
-            <p:ph type="body" idx="1"/>
-          </p:nvPr>
-        </p:nvSpPr>
-        <p:spPr>
-          <a:xfrm>
-            <a:off x="685800" y="4343400"/>
-            <a:ext cx="5486400" cy="4114800"/>
-          </a:xfrm>
-          <a:prstGeom prst="rect">
-            <a:avLst/>
-          </a:prstGeom>
-        </p:spPr>
-        <p:txBody>
-          <a:bodyPr spcFirstLastPara="1" wrap="square" lIns="91425" tIns="91425" rIns="91425" bIns="91425" anchor="t" anchorCtr="0">
-            <a:noAutofit/>
-          </a:bodyPr>
-          <a:lstStyle/>
-          <a:p>
-            <a:pPr marL="457200" lvl="0" indent="0" algn="l" rtl="0">
-              <a:lnSpc>
-                <a:spcPct val="115000"/>
-              </a:lnSpc>
-              <a:spcBef>
-                <a:spcPts val="0"/>
-              </a:spcBef>
-              <a:spcAft>
-                <a:spcPts val="1200"/>
-              </a:spcAft>
-              <a:buNone/>
-            </a:pPr>
-            <a:r>
-              <a:rPr lang="pt-BR" sz="1800">
-                <a:solidFill>
-                  <a:srgbClr val="595959"/>
-                </a:solidFill>
-              </a:rPr>
-              <a:t>Métricas de avaliação do modelo proposto</a:t>
-            </a:r>
-            <a:endParaRPr/>
-          </a:p>
-        </p:txBody>
-      </p:sp>
-    </p:spTree>
-  </p:cSld>
-  <p:clrMapOvr>
-    <a:masterClrMapping/>
-  </p:clrMapOvr>
-</p:notes>
-</file>
-
-<file path=ppt/notesSlides/notesSlide6.xml><?xml version="1.0" encoding="utf-8"?>
-<p:notes xmlns:a="http://schemas.openxmlformats.org/drawingml/2006/main" xmlns:r="http://schemas.openxmlformats.org/officeDocument/2006/relationships" xmlns:p="http://schemas.openxmlformats.org/presentationml/2006/main" showMasterSp="0" showMasterPhAnim="0">
-  <p:cSld>
-    <p:spTree>
-      <p:nvGrpSpPr>
         <p:cNvPr id="1" name="Shape 80"/>
         <p:cNvGrpSpPr/>
         <p:nvPr/>
@@ -1457,7 +1305,7 @@
 </p:notes>
 </file>
 
-<file path=ppt/notesSlides/notesSlide7.xml><?xml version="1.0" encoding="utf-8"?>
+<file path=ppt/notesSlides/notesSlide6.xml><?xml version="1.0" encoding="utf-8"?>
 <p:notes xmlns:a="http://schemas.openxmlformats.org/drawingml/2006/main" xmlns:r="http://schemas.openxmlformats.org/officeDocument/2006/relationships" xmlns:p="http://schemas.openxmlformats.org/presentationml/2006/main" showMasterSp="0" showMasterPhAnim="0">
   <p:cSld>
     <p:spTree>
@@ -6585,15 +6433,7 @@
             </a:r>
             <a:r>
               <a:rPr lang="pt-BR" dirty="0"/>
-              <a:t> (BM25 + </a:t>
-            </a:r>
-            <a:r>
-              <a:rPr lang="pt-BR" dirty="0" err="1"/>
-              <a:t>MonoBERT</a:t>
-            </a:r>
-            <a:r>
-              <a:rPr lang="pt-BR" dirty="0"/>
-              <a:t>/MonoT5)</a:t>
+              <a:t> (BM25 + MonoT5)</a:t>
             </a:r>
             <a:endParaRPr dirty="0"/>
           </a:p>
@@ -6622,7 +6462,7 @@
             </a:r>
             <a:r>
               <a:rPr lang="pt-BR" dirty="0"/>
-              <a:t> *</a:t>
+              <a:t> </a:t>
             </a:r>
             <a:endParaRPr dirty="0"/>
           </a:p>
@@ -6717,234 +6557,6 @@
               <a:rPr lang="pt-BR" dirty="0"/>
               <a:t>modificações em caracteres (trocas frequentes: s por z?)</a:t>
             </a:r>
-          </a:p>
-        </p:txBody>
-      </p:sp>
-      <p:sp>
-        <p:nvSpPr>
-          <p:cNvPr id="5" name="CaixaDeTexto 4">
-            <a:extLst>
-              <a:ext uri="{FF2B5EF4-FFF2-40B4-BE49-F238E27FC236}">
-                <a16:creationId xmlns:a16="http://schemas.microsoft.com/office/drawing/2014/main" id="{E4237715-8603-4973-8509-1FEC229F6F41}"/>
-              </a:ext>
-            </a:extLst>
-          </p:cNvPr>
-          <p:cNvSpPr txBox="1"/>
-          <p:nvPr/>
-        </p:nvSpPr>
-        <p:spPr>
-          <a:xfrm>
-            <a:off x="431800" y="4640362"/>
-            <a:ext cx="8520600" cy="713016"/>
-          </a:xfrm>
-          <a:prstGeom prst="rect">
-            <a:avLst/>
-          </a:prstGeom>
-          <a:noFill/>
-        </p:spPr>
-        <p:txBody>
-          <a:bodyPr wrap="square">
-            <a:spAutoFit/>
-          </a:bodyPr>
-          <a:lstStyle/>
-          <a:p>
-            <a:pPr algn="just"/>
-            <a:r>
-              <a:rPr lang="pt-BR" sz="1000" dirty="0"/>
-              <a:t>* Contexto dada dificuldade encontrada: passagens com julgamento (11.224); </a:t>
-            </a:r>
-          </a:p>
-          <a:p>
-            <a:pPr algn="just"/>
-            <a:r>
-              <a:rPr lang="pt-BR" sz="1000" b="0" i="0" dirty="0" err="1">
-                <a:solidFill>
-                  <a:srgbClr val="000000"/>
-                </a:solidFill>
-                <a:effectLst/>
-                <a:latin typeface="Helvetica Neue"/>
-              </a:rPr>
-              <a:t>haystack.retriever.dense.DensePassageRetriever</a:t>
-            </a:r>
-            <a:r>
-              <a:rPr lang="pt-BR" sz="1000" dirty="0">
-                <a:latin typeface="Helvetica Neue"/>
-              </a:rPr>
-              <a:t> ( </a:t>
-            </a:r>
-            <a:r>
-              <a:rPr lang="pt-BR" sz="1000" b="0" i="0" dirty="0" err="1">
-                <a:solidFill>
-                  <a:srgbClr val="000000"/>
-                </a:solidFill>
-                <a:effectLst/>
-                <a:latin typeface="Helvetica Neue"/>
-              </a:rPr>
-              <a:t>facebook</a:t>
-            </a:r>
-            <a:r>
-              <a:rPr lang="pt-BR" sz="1000" b="0" i="0" dirty="0">
-                <a:solidFill>
-                  <a:srgbClr val="000000"/>
-                </a:solidFill>
-                <a:effectLst/>
-                <a:latin typeface="Helvetica Neue"/>
-              </a:rPr>
-              <a:t>/</a:t>
-            </a:r>
-            <a:r>
-              <a:rPr lang="pt-BR" sz="1000" b="0" i="0" dirty="0" err="1">
-                <a:solidFill>
-                  <a:srgbClr val="000000"/>
-                </a:solidFill>
-                <a:effectLst/>
-                <a:latin typeface="Helvetica Neue"/>
-              </a:rPr>
-              <a:t>dpr</a:t>
-            </a:r>
-            <a:r>
-              <a:rPr lang="pt-BR" sz="1000" b="0" i="0" dirty="0">
-                <a:solidFill>
-                  <a:srgbClr val="000000"/>
-                </a:solidFill>
-                <a:effectLst/>
-                <a:latin typeface="Helvetica Neue"/>
-              </a:rPr>
-              <a:t>-</a:t>
-            </a:r>
-            <a:r>
-              <a:rPr lang="pt-BR" sz="1000" b="0" i="0" dirty="0" err="1">
-                <a:solidFill>
-                  <a:srgbClr val="000000"/>
-                </a:solidFill>
-                <a:effectLst/>
-                <a:latin typeface="Helvetica Neue"/>
-              </a:rPr>
-              <a:t>question_encoder</a:t>
-            </a:r>
-            <a:r>
-              <a:rPr lang="pt-BR" sz="1000" b="0" i="0" dirty="0">
-                <a:solidFill>
-                  <a:srgbClr val="000000"/>
-                </a:solidFill>
-                <a:effectLst/>
-                <a:latin typeface="Helvetica Neue"/>
-              </a:rPr>
-              <a:t>-single-</a:t>
-            </a:r>
-            <a:r>
-              <a:rPr lang="pt-BR" sz="1000" b="0" i="0" dirty="0" err="1">
-                <a:solidFill>
-                  <a:srgbClr val="000000"/>
-                </a:solidFill>
-                <a:effectLst/>
-                <a:latin typeface="Helvetica Neue"/>
-              </a:rPr>
-              <a:t>nq</a:t>
-            </a:r>
-            <a:r>
-              <a:rPr lang="pt-BR" sz="1000" b="0" i="0" dirty="0">
-                <a:solidFill>
-                  <a:srgbClr val="000000"/>
-                </a:solidFill>
-                <a:effectLst/>
-                <a:latin typeface="Helvetica Neue"/>
-              </a:rPr>
-              <a:t>-base e </a:t>
-            </a:r>
-            <a:r>
-              <a:rPr lang="pt-BR" sz="1000" b="0" i="0" dirty="0" err="1">
-                <a:solidFill>
-                  <a:srgbClr val="000000"/>
-                </a:solidFill>
-                <a:effectLst/>
-                <a:latin typeface="Helvetica Neue"/>
-              </a:rPr>
-              <a:t>facebook</a:t>
-            </a:r>
-            <a:r>
-              <a:rPr lang="pt-BR" sz="1000" b="0" i="0" dirty="0">
-                <a:solidFill>
-                  <a:srgbClr val="000000"/>
-                </a:solidFill>
-                <a:effectLst/>
-                <a:latin typeface="Helvetica Neue"/>
-              </a:rPr>
-              <a:t>/</a:t>
-            </a:r>
-            <a:r>
-              <a:rPr lang="pt-BR" sz="1000" b="0" i="0" dirty="0" err="1">
-                <a:solidFill>
-                  <a:srgbClr val="000000"/>
-                </a:solidFill>
-                <a:effectLst/>
-                <a:latin typeface="Helvetica Neue"/>
-              </a:rPr>
-              <a:t>dpr</a:t>
-            </a:r>
-            <a:r>
-              <a:rPr lang="pt-BR" sz="1000" b="0" i="0" dirty="0">
-                <a:solidFill>
-                  <a:srgbClr val="000000"/>
-                </a:solidFill>
-                <a:effectLst/>
-                <a:latin typeface="Helvetica Neue"/>
-              </a:rPr>
-              <a:t>-</a:t>
-            </a:r>
-            <a:r>
-              <a:rPr lang="pt-BR" sz="1000" b="0" i="0" dirty="0" err="1">
-                <a:solidFill>
-                  <a:srgbClr val="000000"/>
-                </a:solidFill>
-                <a:effectLst/>
-                <a:latin typeface="Helvetica Neue"/>
-              </a:rPr>
-              <a:t>ctx_encoder</a:t>
-            </a:r>
-            <a:r>
-              <a:rPr lang="pt-BR" sz="1000" b="0" i="0" dirty="0">
-                <a:solidFill>
-                  <a:srgbClr val="000000"/>
-                </a:solidFill>
-                <a:effectLst/>
-                <a:latin typeface="Helvetica Neue"/>
-              </a:rPr>
-              <a:t>-single-</a:t>
-            </a:r>
-            <a:r>
-              <a:rPr lang="pt-BR" sz="1000" b="0" i="0" dirty="0" err="1">
-                <a:solidFill>
-                  <a:srgbClr val="000000"/>
-                </a:solidFill>
-                <a:effectLst/>
-                <a:latin typeface="Helvetica Neue"/>
-              </a:rPr>
-              <a:t>nq</a:t>
-            </a:r>
-            <a:r>
-              <a:rPr lang="pt-BR" sz="1000" b="0" i="0" dirty="0">
-                <a:solidFill>
-                  <a:srgbClr val="000000"/>
-                </a:solidFill>
-                <a:effectLst/>
-                <a:latin typeface="Helvetica Neue"/>
-              </a:rPr>
-              <a:t>-base)</a:t>
-            </a:r>
-          </a:p>
-          <a:p>
-            <a:pPr marL="139700" indent="0">
-              <a:spcBef>
-                <a:spcPts val="1000"/>
-              </a:spcBef>
-              <a:spcAft>
-                <a:spcPts val="1200"/>
-              </a:spcAft>
-              <a:buSzPts val="1400"/>
-              <a:buNone/>
-            </a:pPr>
-            <a:endParaRPr lang="pt-BR" sz="1200" dirty="0"/>
           </a:p>
         </p:txBody>
       </p:sp>
@@ -6961,7 +6573,7 @@
   <p:cSld>
     <p:spTree>
       <p:nvGrpSpPr>
-        <p:cNvPr id="1" name="Shape 71"/>
+        <p:cNvPr id="1" name="Shape 77"/>
         <p:cNvGrpSpPr/>
         <p:nvPr/>
       </p:nvGrpSpPr>
@@ -6975,7 +6587,7 @@
       </p:grpSpPr>
       <p:sp>
         <p:nvSpPr>
-          <p:cNvPr id="72" name="Google Shape;72;p16"/>
+          <p:cNvPr id="78" name="Google Shape;78;p17"/>
           <p:cNvSpPr txBox="1">
             <a:spLocks noGrp="1"/>
           </p:cNvSpPr>
@@ -7008,69 +6620,103 @@
               <a:buNone/>
             </a:pPr>
             <a:r>
-              <a:rPr lang="pt-BR"/>
-              <a:t>Datasets</a:t>
-            </a:r>
-            <a:endParaRPr/>
+              <a:rPr lang="pt-BR" dirty="0"/>
+              <a:t>Lembrando...</a:t>
+            </a:r>
+            <a:endParaRPr dirty="0"/>
           </a:p>
         </p:txBody>
       </p:sp>
       <p:sp>
         <p:nvSpPr>
-          <p:cNvPr id="73" name="Google Shape;73;p16"/>
-          <p:cNvSpPr txBox="1">
-            <a:spLocks noGrp="1"/>
-          </p:cNvSpPr>
-          <p:nvPr>
-            <p:ph type="body" idx="1"/>
-          </p:nvPr>
+          <p:cNvPr id="5" name="CaixaDeTexto 4">
+            <a:extLst>
+              <a:ext uri="{FF2B5EF4-FFF2-40B4-BE49-F238E27FC236}">
+                <a16:creationId xmlns:a16="http://schemas.microsoft.com/office/drawing/2014/main" id="{B7E84C74-A838-4810-8F36-5D3A3BB11ABD}"/>
+              </a:ext>
+            </a:extLst>
+          </p:cNvPr>
+          <p:cNvSpPr txBox="1"/>
+          <p:nvPr/>
         </p:nvSpPr>
         <p:spPr>
           <a:xfrm>
-            <a:off x="311700" y="1152475"/>
-            <a:ext cx="8520600" cy="3416400"/>
+            <a:off x="311700" y="1426915"/>
+            <a:ext cx="8019500" cy="2554545"/>
           </a:xfrm>
           <a:prstGeom prst="rect">
             <a:avLst/>
           </a:prstGeom>
+          <a:noFill/>
         </p:spPr>
         <p:txBody>
-          <a:bodyPr spcFirstLastPara="1" wrap="square" lIns="91425" tIns="91425" rIns="91425" bIns="91425" anchor="t" anchorCtr="0">
-            <a:normAutofit/>
+          <a:bodyPr wrap="square">
+            <a:spAutoFit/>
           </a:bodyPr>
           <a:lstStyle/>
           <a:p>
-            <a:pPr marL="0" lvl="0" indent="0" algn="l" rtl="0">
-              <a:spcBef>
-                <a:spcPts val="0"/>
-              </a:spcBef>
-              <a:spcAft>
-                <a:spcPts val="0"/>
-              </a:spcAft>
-              <a:buNone/>
-            </a:pPr>
-            <a:r>
-              <a:rPr lang="pt-BR"/>
-              <a:t>Utilizaremos o TREC 2020 DL passage, contendo 54 queries avaliadas sobre a base do MSMARCO passage corpus, e uma média de 210,9 julgamentos por query.</a:t>
-            </a:r>
-            <a:endParaRPr/>
+            <a:r>
+              <a:rPr lang="pt-BR" dirty="0"/>
+              <a:t>Métrica:</a:t>
+            </a:r>
+          </a:p>
+          <a:p>
+            <a:endParaRPr lang="pt-BR" dirty="0"/>
+          </a:p>
+          <a:p>
+            <a:r>
+              <a:rPr lang="pt-BR" dirty="0"/>
+              <a:t>        nDCG@10 - </a:t>
+            </a:r>
+            <a:r>
+              <a:rPr lang="pt-BR" dirty="0" err="1"/>
+              <a:t>Normalized</a:t>
+            </a:r>
+            <a:r>
+              <a:rPr lang="pt-BR" dirty="0"/>
+              <a:t> </a:t>
+            </a:r>
+            <a:r>
+              <a:rPr lang="pt-BR" dirty="0" err="1"/>
+              <a:t>Discounted</a:t>
+            </a:r>
+            <a:r>
+              <a:rPr lang="pt-BR" dirty="0"/>
+              <a:t> </a:t>
+            </a:r>
+            <a:r>
+              <a:rPr lang="pt-BR" dirty="0" err="1"/>
+              <a:t>Cumulative</a:t>
+            </a:r>
+            <a:r>
+              <a:rPr lang="pt-BR" dirty="0"/>
+              <a:t> </a:t>
+            </a:r>
+            <a:r>
+              <a:rPr lang="pt-BR" dirty="0" err="1"/>
+              <a:t>Grain</a:t>
+            </a:r>
+            <a:r>
+              <a:rPr lang="pt-BR" dirty="0"/>
+              <a:t> com recorte de 10.</a:t>
+            </a:r>
           </a:p>
           <a:p>
             <a:pPr marL="0" lvl="0" indent="0" algn="l" rtl="0">
               <a:spcBef>
-                <a:spcPts val="1200"/>
+                <a:spcPts val="0"/>
               </a:spcBef>
               <a:spcAft>
                 <a:spcPts val="0"/>
               </a:spcAft>
               <a:buNone/>
             </a:pPr>
-            <a:endParaRPr/>
+            <a:endParaRPr lang="pt-BR" dirty="0"/>
           </a:p>
           <a:p>
             <a:pPr marL="0" lvl="0" indent="0" algn="l" rtl="0">
               <a:spcBef>
-                <a:spcPts val="1200"/>
+                <a:spcPts val="0"/>
               </a:spcBef>
               <a:spcAft>
                 <a:spcPts val="0"/>
@@ -7078,22 +6724,91 @@
               <a:buNone/>
             </a:pPr>
             <a:r>
-              <a:rPr lang="pt-BR"/>
-              <a:t>Tentaremos repetir as experiências com dataset em português.</a:t>
-            </a:r>
-            <a:endParaRPr/>
+              <a:rPr lang="pt-BR" dirty="0" err="1"/>
+              <a:t>Dataset</a:t>
+            </a:r>
+            <a:r>
+              <a:rPr lang="pt-BR" dirty="0"/>
+              <a:t>:</a:t>
+            </a:r>
           </a:p>
           <a:p>
             <a:pPr marL="0" lvl="0" indent="0" algn="l" rtl="0">
               <a:spcBef>
+                <a:spcPts val="0"/>
+              </a:spcBef>
+              <a:spcAft>
+                <a:spcPts val="0"/>
+              </a:spcAft>
+              <a:buNone/>
+            </a:pPr>
+            <a:endParaRPr lang="pt-BR" dirty="0"/>
+          </a:p>
+          <a:p>
+            <a:pPr marL="0" lvl="0" indent="0" algn="l" rtl="0">
+              <a:spcBef>
+                <a:spcPts val="0"/>
+              </a:spcBef>
+              <a:spcAft>
+                <a:spcPts val="0"/>
+              </a:spcAft>
+              <a:buNone/>
+            </a:pPr>
+            <a:r>
+              <a:rPr lang="pt-BR" dirty="0"/>
+              <a:t>        TREC 2020 DL </a:t>
+            </a:r>
+            <a:r>
+              <a:rPr lang="pt-BR" dirty="0" err="1"/>
+              <a:t>passage</a:t>
+            </a:r>
+            <a:r>
+              <a:rPr lang="pt-BR" dirty="0"/>
+              <a:t>, contendo 54 queries avaliadas sobre a base do MSMARCO </a:t>
+            </a:r>
+            <a:r>
+              <a:rPr lang="pt-BR" dirty="0" err="1"/>
+              <a:t>passage</a:t>
+            </a:r>
+            <a:r>
+              <a:rPr lang="pt-BR" dirty="0"/>
+              <a:t> corpus, e uma média de 210,9 julgamentos por query.</a:t>
+            </a:r>
+          </a:p>
+          <a:p>
+            <a:pPr marL="0" lvl="0" indent="0" algn="l" rtl="0">
+              <a:spcBef>
                 <a:spcPts val="1200"/>
               </a:spcBef>
               <a:spcAft>
+                <a:spcPts val="0"/>
+              </a:spcAft>
+              <a:buNone/>
+            </a:pPr>
+            <a:endParaRPr lang="pt-BR" dirty="0"/>
+          </a:p>
+          <a:p>
+            <a:pPr marL="0" lvl="0" indent="0" algn="l" rtl="0">
+              <a:spcBef>
                 <a:spcPts val="1200"/>
+              </a:spcBef>
+              <a:spcAft>
+                <a:spcPts val="0"/>
               </a:spcAft>
               <a:buNone/>
             </a:pPr>
-            <a:endParaRPr/>
+            <a:r>
+              <a:rPr lang="pt-BR" dirty="0"/>
+              <a:t>Obs.: se der tempo, tentaremos repetir as experiências com </a:t>
+            </a:r>
+            <a:r>
+              <a:rPr lang="pt-BR" dirty="0" err="1"/>
+              <a:t>dataset</a:t>
+            </a:r>
+            <a:r>
+              <a:rPr lang="pt-BR" dirty="0"/>
+              <a:t> em português.</a:t>
+            </a:r>
           </a:p>
         </p:txBody>
       </p:sp>
@@ -7157,10 +6872,10 @@
               <a:buNone/>
             </a:pPr>
             <a:r>
-              <a:rPr lang="pt-BR"/>
-              <a:t>Metodologia</a:t>
-            </a:r>
-            <a:endParaRPr/>
+              <a:rPr lang="pt-BR" dirty="0"/>
+              <a:t>Plano</a:t>
+            </a:r>
+            <a:endParaRPr dirty="0"/>
           </a:p>
         </p:txBody>
       </p:sp>
@@ -7200,7 +6915,7 @@
             </a:pPr>
             <a:r>
               <a:rPr lang="pt-BR" dirty="0"/>
-              <a:t>Execução sobre as queries originais (nos 3 mecanismos de busca);</a:t>
+              <a:t>(Feito) Execução sobre as queries originais (nos 3 mecanismos de busca); *</a:t>
             </a:r>
             <a:endParaRPr dirty="0"/>
           </a:p>
@@ -7255,6 +6970,250 @@
               <a:t>Análise comparativa da perda/ganho de efetividade agregada por tipo de ruído e mecanismo de busca.</a:t>
             </a:r>
             <a:endParaRPr dirty="0"/>
+          </a:p>
+        </p:txBody>
+      </p:sp>
+      <p:sp>
+        <p:nvSpPr>
+          <p:cNvPr id="4" name="CaixaDeTexto 3">
+            <a:extLst>
+              <a:ext uri="{FF2B5EF4-FFF2-40B4-BE49-F238E27FC236}">
+                <a16:creationId xmlns:a16="http://schemas.microsoft.com/office/drawing/2014/main" id="{63E7816E-844D-4512-AEB7-7BF48D929C4C}"/>
+              </a:ext>
+            </a:extLst>
+          </p:cNvPr>
+          <p:cNvSpPr txBox="1"/>
+          <p:nvPr/>
+        </p:nvSpPr>
+        <p:spPr>
+          <a:xfrm>
+            <a:off x="431800" y="4640362"/>
+            <a:ext cx="8520600" cy="713016"/>
+          </a:xfrm>
+          <a:prstGeom prst="rect">
+            <a:avLst/>
+          </a:prstGeom>
+          <a:noFill/>
+        </p:spPr>
+        <p:txBody>
+          <a:bodyPr wrap="square">
+            <a:spAutoFit/>
+          </a:bodyPr>
+          <a:lstStyle/>
+          <a:p>
+            <a:pPr algn="just"/>
+            <a:r>
+              <a:rPr lang="pt-BR" sz="1000" dirty="0"/>
+              <a:t>* Contexto dada dificuldade encontrada com </a:t>
+            </a:r>
+            <a:r>
+              <a:rPr lang="pt-BR" sz="1000" dirty="0" err="1"/>
+              <a:t>Pyserini</a:t>
+            </a:r>
+            <a:r>
+              <a:rPr lang="pt-BR" sz="1000" dirty="0"/>
+              <a:t> no </a:t>
+            </a:r>
+            <a:r>
+              <a:rPr lang="pt-BR" sz="1000" dirty="0" err="1"/>
+              <a:t>Collab</a:t>
+            </a:r>
+            <a:r>
+              <a:rPr lang="pt-BR" sz="1000" dirty="0"/>
+              <a:t>: passagens com julgamento (11.224); </a:t>
+            </a:r>
+          </a:p>
+          <a:p>
+            <a:pPr algn="just"/>
+            <a:r>
+              <a:rPr lang="pt-BR" sz="1000" b="0" i="0" dirty="0" err="1">
+                <a:solidFill>
+                  <a:srgbClr val="000000"/>
+                </a:solidFill>
+                <a:effectLst/>
+                <a:latin typeface="Helvetica Neue"/>
+              </a:rPr>
+              <a:t>haystack.retriever.dense.DensePassageRetriever</a:t>
+            </a:r>
+            <a:r>
+              <a:rPr lang="pt-BR" sz="1000" dirty="0">
+                <a:latin typeface="Helvetica Neue"/>
+              </a:rPr>
+              <a:t> ( </a:t>
+            </a:r>
+            <a:r>
+              <a:rPr lang="pt-BR" sz="1000" b="0" i="0" dirty="0" err="1">
+                <a:solidFill>
+                  <a:srgbClr val="000000"/>
+                </a:solidFill>
+                <a:effectLst/>
+                <a:latin typeface="Helvetica Neue"/>
+              </a:rPr>
+              <a:t>facebook</a:t>
+            </a:r>
+            <a:r>
+              <a:rPr lang="pt-BR" sz="1000" b="0" i="0" dirty="0">
+                <a:solidFill>
+                  <a:srgbClr val="000000"/>
+                </a:solidFill>
+                <a:effectLst/>
+                <a:latin typeface="Helvetica Neue"/>
+              </a:rPr>
+              <a:t>/</a:t>
+            </a:r>
+            <a:r>
+              <a:rPr lang="pt-BR" sz="1000" b="0" i="0" dirty="0" err="1">
+                <a:solidFill>
+                  <a:srgbClr val="000000"/>
+                </a:solidFill>
+                <a:effectLst/>
+                <a:latin typeface="Helvetica Neue"/>
+              </a:rPr>
+              <a:t>dpr</a:t>
+            </a:r>
+            <a:r>
+              <a:rPr lang="pt-BR" sz="1000" b="0" i="0" dirty="0">
+                <a:solidFill>
+                  <a:srgbClr val="000000"/>
+                </a:solidFill>
+                <a:effectLst/>
+                <a:latin typeface="Helvetica Neue"/>
+              </a:rPr>
+              <a:t>-</a:t>
+            </a:r>
+            <a:r>
+              <a:rPr lang="pt-BR" sz="1000" b="0" i="0" dirty="0" err="1">
+                <a:solidFill>
+                  <a:srgbClr val="000000"/>
+                </a:solidFill>
+                <a:effectLst/>
+                <a:latin typeface="Helvetica Neue"/>
+              </a:rPr>
+              <a:t>question_encoder</a:t>
+            </a:r>
+            <a:r>
+              <a:rPr lang="pt-BR" sz="1000" b="0" i="0" dirty="0">
+                <a:solidFill>
+                  <a:srgbClr val="000000"/>
+                </a:solidFill>
+                <a:effectLst/>
+                <a:latin typeface="Helvetica Neue"/>
+              </a:rPr>
+              <a:t>-single-</a:t>
+            </a:r>
+            <a:r>
+              <a:rPr lang="pt-BR" sz="1000" b="0" i="0" dirty="0" err="1">
+                <a:solidFill>
+                  <a:srgbClr val="000000"/>
+                </a:solidFill>
+                <a:effectLst/>
+                <a:latin typeface="Helvetica Neue"/>
+              </a:rPr>
+              <a:t>nq</a:t>
+            </a:r>
+            <a:r>
+              <a:rPr lang="pt-BR" sz="1000" b="0" i="0" dirty="0">
+                <a:solidFill>
+                  <a:srgbClr val="000000"/>
+                </a:solidFill>
+                <a:effectLst/>
+                <a:latin typeface="Helvetica Neue"/>
+              </a:rPr>
+              <a:t>-base e </a:t>
+            </a:r>
+            <a:r>
+              <a:rPr lang="pt-BR" sz="1000" b="0" i="0" dirty="0" err="1">
+                <a:solidFill>
+                  <a:srgbClr val="000000"/>
+                </a:solidFill>
+                <a:effectLst/>
+                <a:latin typeface="Helvetica Neue"/>
+              </a:rPr>
+              <a:t>facebook</a:t>
+            </a:r>
+            <a:r>
+              <a:rPr lang="pt-BR" sz="1000" b="0" i="0" dirty="0">
+                <a:solidFill>
+                  <a:srgbClr val="000000"/>
+                </a:solidFill>
+                <a:effectLst/>
+                <a:latin typeface="Helvetica Neue"/>
+              </a:rPr>
+              <a:t>/</a:t>
+            </a:r>
+            <a:r>
+              <a:rPr lang="pt-BR" sz="1000" b="0" i="0" dirty="0" err="1">
+                <a:solidFill>
+                  <a:srgbClr val="000000"/>
+                </a:solidFill>
+                <a:effectLst/>
+                <a:latin typeface="Helvetica Neue"/>
+              </a:rPr>
+              <a:t>dpr</a:t>
+            </a:r>
+            <a:r>
+              <a:rPr lang="pt-BR" sz="1000" b="0" i="0" dirty="0">
+                <a:solidFill>
+                  <a:srgbClr val="000000"/>
+                </a:solidFill>
+                <a:effectLst/>
+                <a:latin typeface="Helvetica Neue"/>
+              </a:rPr>
+              <a:t>-</a:t>
+            </a:r>
+            <a:r>
+              <a:rPr lang="pt-BR" sz="1000" b="0" i="0" dirty="0" err="1">
+                <a:solidFill>
+                  <a:srgbClr val="000000"/>
+                </a:solidFill>
+                <a:effectLst/>
+                <a:latin typeface="Helvetica Neue"/>
+              </a:rPr>
+              <a:t>ctx_encoder</a:t>
+            </a:r>
+            <a:r>
+              <a:rPr lang="pt-BR" sz="1000" b="0" i="0" dirty="0">
+                <a:solidFill>
+                  <a:srgbClr val="000000"/>
+                </a:solidFill>
+                <a:effectLst/>
+                <a:latin typeface="Helvetica Neue"/>
+              </a:rPr>
+              <a:t>-single-</a:t>
+            </a:r>
+            <a:r>
+              <a:rPr lang="pt-BR" sz="1000" b="0" i="0" dirty="0" err="1">
+                <a:solidFill>
+                  <a:srgbClr val="000000"/>
+                </a:solidFill>
+                <a:effectLst/>
+                <a:latin typeface="Helvetica Neue"/>
+              </a:rPr>
+              <a:t>nq</a:t>
+            </a:r>
+            <a:r>
+              <a:rPr lang="pt-BR" sz="1000" b="0" i="0" dirty="0">
+                <a:solidFill>
+                  <a:srgbClr val="000000"/>
+                </a:solidFill>
+                <a:effectLst/>
+                <a:latin typeface="Helvetica Neue"/>
+              </a:rPr>
+              <a:t>-base)</a:t>
+            </a:r>
+          </a:p>
+          <a:p>
+            <a:pPr marL="139700" indent="0">
+              <a:spcBef>
+                <a:spcPts val="1000"/>
+              </a:spcBef>
+              <a:spcAft>
+                <a:spcPts val="1200"/>
+              </a:spcAft>
+              <a:buSzPts val="1400"/>
+              <a:buNone/>
+            </a:pPr>
+            <a:endParaRPr lang="pt-BR" sz="1200" dirty="0"/>
           </a:p>
         </p:txBody>
       </p:sp>
@@ -7267,148 +7226,6 @@
 </file>
 
 <file path=ppt/slides/slide5.xml><?xml version="1.0" encoding="utf-8"?>
-<p:sld xmlns:a="http://schemas.openxmlformats.org/drawingml/2006/main" xmlns:r="http://schemas.openxmlformats.org/officeDocument/2006/relationships" xmlns:p="http://schemas.openxmlformats.org/presentationml/2006/main">
-  <p:cSld>
-    <p:spTree>
-      <p:nvGrpSpPr>
-        <p:cNvPr id="1" name="Shape 77"/>
-        <p:cNvGrpSpPr/>
-        <p:nvPr/>
-      </p:nvGrpSpPr>
-      <p:grpSpPr>
-        <a:xfrm>
-          <a:off x="0" y="0"/>
-          <a:ext cx="0" cy="0"/>
-          <a:chOff x="0" y="0"/>
-          <a:chExt cx="0" cy="0"/>
-        </a:xfrm>
-      </p:grpSpPr>
-      <p:sp>
-        <p:nvSpPr>
-          <p:cNvPr id="78" name="Google Shape;78;p17"/>
-          <p:cNvSpPr txBox="1">
-            <a:spLocks noGrp="1"/>
-          </p:cNvSpPr>
-          <p:nvPr>
-            <p:ph type="title"/>
-          </p:nvPr>
-        </p:nvSpPr>
-        <p:spPr>
-          <a:xfrm>
-            <a:off x="311700" y="445025"/>
-            <a:ext cx="8520600" cy="572700"/>
-          </a:xfrm>
-          <a:prstGeom prst="rect">
-            <a:avLst/>
-          </a:prstGeom>
-        </p:spPr>
-        <p:txBody>
-          <a:bodyPr spcFirstLastPara="1" wrap="square" lIns="91425" tIns="91425" rIns="91425" bIns="91425" anchor="t" anchorCtr="0">
-            <a:normAutofit fontScale="90000"/>
-          </a:bodyPr>
-          <a:lstStyle/>
-          <a:p>
-            <a:pPr marL="0" lvl="0" indent="0" algn="l" rtl="0">
-              <a:spcBef>
-                <a:spcPts val="0"/>
-              </a:spcBef>
-              <a:spcAft>
-                <a:spcPts val="0"/>
-              </a:spcAft>
-              <a:buNone/>
-            </a:pPr>
-            <a:r>
-              <a:rPr lang="pt-BR" dirty="0"/>
-              <a:t>Métrica a ser avaliada na comparação</a:t>
-            </a:r>
-            <a:endParaRPr dirty="0"/>
-          </a:p>
-        </p:txBody>
-      </p:sp>
-      <p:sp>
-        <p:nvSpPr>
-          <p:cNvPr id="79" name="Google Shape;79;p17"/>
-          <p:cNvSpPr txBox="1">
-            <a:spLocks noGrp="1"/>
-          </p:cNvSpPr>
-          <p:nvPr>
-            <p:ph type="body" idx="1"/>
-          </p:nvPr>
-        </p:nvSpPr>
-        <p:spPr>
-          <a:xfrm>
-            <a:off x="311700" y="1152475"/>
-            <a:ext cx="8520600" cy="3416400"/>
-          </a:xfrm>
-          <a:prstGeom prst="rect">
-            <a:avLst/>
-          </a:prstGeom>
-        </p:spPr>
-        <p:txBody>
-          <a:bodyPr spcFirstLastPara="1" wrap="square" lIns="91425" tIns="91425" rIns="91425" bIns="91425" anchor="t" anchorCtr="0">
-            <a:normAutofit/>
-          </a:bodyPr>
-          <a:lstStyle/>
-          <a:p>
-            <a:pPr marL="457200" lvl="0" indent="-342900" algn="l" rtl="0">
-              <a:spcBef>
-                <a:spcPts val="1000"/>
-              </a:spcBef>
-              <a:spcAft>
-                <a:spcPts val="0"/>
-              </a:spcAft>
-              <a:buSzPts val="1800"/>
-              <a:buChar char="-"/>
-            </a:pPr>
-            <a:r>
-              <a:rPr lang="pt-BR" dirty="0"/>
-              <a:t>nDCG@10 - </a:t>
-            </a:r>
-            <a:r>
-              <a:rPr lang="pt-BR" dirty="0" err="1"/>
-              <a:t>Normalized</a:t>
-            </a:r>
-            <a:r>
-              <a:rPr lang="pt-BR" dirty="0"/>
-              <a:t> </a:t>
-            </a:r>
-            <a:r>
-              <a:rPr lang="pt-BR" dirty="0" err="1"/>
-              <a:t>Discounted</a:t>
-            </a:r>
-            <a:r>
-              <a:rPr lang="pt-BR" dirty="0"/>
-              <a:t> </a:t>
-            </a:r>
-            <a:r>
-              <a:rPr lang="pt-BR" dirty="0" err="1"/>
-              <a:t>Cumulative</a:t>
-            </a:r>
-            <a:r>
-              <a:rPr lang="pt-BR" dirty="0"/>
-              <a:t> </a:t>
-            </a:r>
-            <a:r>
-              <a:rPr lang="pt-BR" dirty="0" err="1"/>
-              <a:t>Grain</a:t>
-            </a:r>
-            <a:r>
-              <a:rPr lang="pt-BR" dirty="0"/>
-              <a:t> com recorte de 10.</a:t>
-            </a:r>
-            <a:endParaRPr dirty="0"/>
-          </a:p>
-        </p:txBody>
-      </p:sp>
-    </p:spTree>
-  </p:cSld>
-  <p:clrMapOvr>
-    <a:masterClrMapping/>
-  </p:clrMapOvr>
-</p:sld>
-</file>
-
-<file path=ppt/slides/slide6.xml><?xml version="1.0" encoding="utf-8"?>
 <p:sld xmlns:a="http://schemas.openxmlformats.org/drawingml/2006/main" xmlns:r="http://schemas.openxmlformats.org/officeDocument/2006/relationships" xmlns:p="http://schemas.openxmlformats.org/presentationml/2006/main">
   <p:cSld>
     <p:spTree>
@@ -7571,7 +7388,7 @@
 </p:sld>
 </file>
 
-<file path=ppt/slides/slide7.xml><?xml version="1.0" encoding="utf-8"?>
+<file path=ppt/slides/slide6.xml><?xml version="1.0" encoding="utf-8"?>
 <p:sld xmlns:a="http://schemas.openxmlformats.org/drawingml/2006/main" xmlns:r="http://schemas.openxmlformats.org/officeDocument/2006/relationships" xmlns:p="http://schemas.openxmlformats.org/presentationml/2006/main">
   <p:cSld>
     <p:spTree>

--- a/docs/Apresentação 2 - 20211111.pptx
+++ b/docs/Apresentação 2 - 20211111.pptx
@@ -6379,7 +6379,7 @@
         </p:spPr>
         <p:txBody>
           <a:bodyPr spcFirstLastPara="1" wrap="square" lIns="91425" tIns="91425" rIns="91425" bIns="91425" anchor="t" anchorCtr="0">
-            <a:normAutofit fontScale="85000" lnSpcReduction="20000"/>
+            <a:normAutofit/>
           </a:bodyPr>
           <a:lstStyle/>
           <a:p>
@@ -6465,98 +6465,6 @@
               <a:t> </a:t>
             </a:r>
             <a:endParaRPr dirty="0"/>
-          </a:p>
-          <a:p>
-            <a:pPr marL="457200" lvl="0" indent="-342900" algn="l" rtl="0">
-              <a:spcBef>
-                <a:spcPts val="1000"/>
-              </a:spcBef>
-              <a:spcAft>
-                <a:spcPts val="0"/>
-              </a:spcAft>
-              <a:buSzPts val="1800"/>
-              <a:buChar char="-"/>
-            </a:pPr>
-            <a:r>
-              <a:rPr lang="pt-BR" dirty="0"/>
-              <a:t>Exemplos de modificações para gerar ruído na query:</a:t>
-            </a:r>
-            <a:endParaRPr dirty="0"/>
-          </a:p>
-          <a:p>
-            <a:pPr marL="914400" lvl="1" indent="-317500" algn="l" rtl="0">
-              <a:spcBef>
-                <a:spcPts val="1000"/>
-              </a:spcBef>
-              <a:spcAft>
-                <a:spcPts val="0"/>
-              </a:spcAft>
-              <a:buSzPts val="1400"/>
-              <a:buChar char="-"/>
-            </a:pPr>
-            <a:r>
-              <a:rPr lang="pt-BR" dirty="0"/>
-              <a:t>troca de ordem de palavras (como embaralhando baralho com divisão de 2 montes)</a:t>
-            </a:r>
-            <a:endParaRPr dirty="0"/>
-          </a:p>
-          <a:p>
-            <a:pPr marL="914400" lvl="1" indent="-317500" algn="l" rtl="0">
-              <a:spcBef>
-                <a:spcPts val="1000"/>
-              </a:spcBef>
-              <a:spcAft>
-                <a:spcPts val="0"/>
-              </a:spcAft>
-              <a:buSzPts val="1400"/>
-              <a:buChar char="-"/>
-            </a:pPr>
-            <a:r>
-              <a:rPr lang="pt-BR" dirty="0"/>
-              <a:t>supressão de palavras (a definir)</a:t>
-            </a:r>
-            <a:endParaRPr dirty="0"/>
-          </a:p>
-          <a:p>
-            <a:pPr marL="914400" lvl="1" indent="-317500" algn="l" rtl="0">
-              <a:spcBef>
-                <a:spcPts val="1000"/>
-              </a:spcBef>
-              <a:spcAft>
-                <a:spcPts val="0"/>
-              </a:spcAft>
-              <a:buSzPts val="1400"/>
-              <a:buChar char="-"/>
-            </a:pPr>
-            <a:r>
-              <a:rPr lang="pt-BR" dirty="0"/>
-              <a:t>tradução (usar google </a:t>
-            </a:r>
-            <a:r>
-              <a:rPr lang="pt-BR" dirty="0" err="1"/>
-              <a:t>translator</a:t>
-            </a:r>
-            <a:r>
-              <a:rPr lang="pt-BR" dirty="0"/>
-              <a:t>)</a:t>
-            </a:r>
-            <a:endParaRPr dirty="0"/>
-          </a:p>
-          <a:p>
-            <a:pPr marL="914400" lvl="1" indent="-317500" algn="l" rtl="0">
-              <a:spcBef>
-                <a:spcPts val="1000"/>
-              </a:spcBef>
-              <a:spcAft>
-                <a:spcPts val="1200"/>
-              </a:spcAft>
-              <a:buSzPts val="1400"/>
-              <a:buChar char="-"/>
-            </a:pPr>
-            <a:r>
-              <a:rPr lang="pt-BR" dirty="0"/>
-              <a:t>modificações em caracteres (trocas frequentes: s por z?)</a:t>
-            </a:r>
           </a:p>
         </p:txBody>
       </p:sp>
@@ -6900,7 +6808,7 @@
         </p:spPr>
         <p:txBody>
           <a:bodyPr spcFirstLastPara="1" wrap="square" lIns="91425" tIns="91425" rIns="91425" bIns="91425" anchor="t" anchorCtr="0">
-            <a:normAutofit/>
+            <a:normAutofit fontScale="85000" lnSpcReduction="20000"/>
           </a:bodyPr>
           <a:lstStyle/>
           <a:p>
@@ -6940,19 +6848,80 @@
             </a:pPr>
             <a:r>
               <a:rPr lang="pt-BR" dirty="0"/>
-              <a:t>Execução sobre as queries com ruído (nos 3 mecanismos de busca; 4 tipos de ruídos);</a:t>
+              <a:t>Execução sobre as queries com ruído;</a:t>
             </a:r>
           </a:p>
           <a:p>
-            <a:pPr marL="0" lvl="0" indent="0" algn="l" rtl="0">
-              <a:spcBef>
+            <a:pPr marL="914400" lvl="1" indent="-317500" algn="l" rtl="0">
+              <a:spcBef>
+                <a:spcPts val="1000"/>
+              </a:spcBef>
+              <a:spcAft>
+                <a:spcPts val="0"/>
+              </a:spcAft>
+              <a:buSzPts val="1400"/>
+              <a:buChar char="-"/>
+            </a:pPr>
+            <a:r>
+              <a:rPr lang="pt-BR" dirty="0"/>
+              <a:t>troca de ordem de palavras (como embaralhando baralho com divisão de 2 montes)</a:t>
+            </a:r>
+          </a:p>
+          <a:p>
+            <a:pPr marL="914400" lvl="1" indent="-317500" algn="l" rtl="0">
+              <a:spcBef>
+                <a:spcPts val="1000"/>
+              </a:spcBef>
+              <a:spcAft>
+                <a:spcPts val="0"/>
+              </a:spcAft>
+              <a:buSzPts val="1400"/>
+              <a:buChar char="-"/>
+            </a:pPr>
+            <a:r>
+              <a:rPr lang="pt-BR" dirty="0"/>
+              <a:t>supressão de palavras (a definir)</a:t>
+            </a:r>
+          </a:p>
+          <a:p>
+            <a:pPr marL="914400" lvl="1" indent="-317500" algn="l" rtl="0">
+              <a:spcBef>
+                <a:spcPts val="1000"/>
+              </a:spcBef>
+              <a:spcAft>
+                <a:spcPts val="0"/>
+              </a:spcAft>
+              <a:buSzPts val="1400"/>
+              <a:buChar char="-"/>
+            </a:pPr>
+            <a:r>
+              <a:rPr lang="pt-BR" dirty="0"/>
+              <a:t>tradução (usar google </a:t>
+            </a:r>
+            <a:r>
+              <a:rPr lang="pt-BR" dirty="0" err="1"/>
+              <a:t>translator</a:t>
+            </a:r>
+            <a:r>
+              <a:rPr lang="pt-BR" dirty="0"/>
+              <a:t>)</a:t>
+            </a:r>
+          </a:p>
+          <a:p>
+            <a:pPr marL="914400" lvl="1" indent="-317500" algn="l" rtl="0">
+              <a:spcBef>
+                <a:spcPts val="1000"/>
+              </a:spcBef>
+              <a:spcAft>
                 <a:spcPts val="1200"/>
-              </a:spcBef>
-              <a:spcAft>
-                <a:spcPts val="0"/>
-              </a:spcAft>
-              <a:buNone/>
+              </a:spcAft>
+              <a:buSzPts val="1400"/>
+              <a:buChar char="-"/>
             </a:pPr>
+            <a:r>
+              <a:rPr lang="pt-BR" dirty="0"/>
+              <a:t>modificações em caracteres (trocas frequentes: s por z?)</a:t>
+            </a:r>
             <a:endParaRPr dirty="0"/>
           </a:p>
           <a:p>

--- a/docs/Apresentação 2 - 20211111.pptx
+++ b/docs/Apresentação 2 - 20211111.pptx
@@ -5,15 +5,16 @@
     <p:sldMasterId id="2147483659" r:id="rId1"/>
   </p:sldMasterIdLst>
   <p:notesMasterIdLst>
-    <p:notesMasterId r:id="rId8"/>
+    <p:notesMasterId r:id="rId9"/>
   </p:notesMasterIdLst>
   <p:sldIdLst>
     <p:sldId id="256" r:id="rId2"/>
     <p:sldId id="257" r:id="rId3"/>
-    <p:sldId id="260" r:id="rId4"/>
-    <p:sldId id="258" r:id="rId5"/>
-    <p:sldId id="261" r:id="rId6"/>
-    <p:sldId id="262" r:id="rId7"/>
+    <p:sldId id="258" r:id="rId4"/>
+    <p:sldId id="263" r:id="rId5"/>
+    <p:sldId id="264" r:id="rId6"/>
+    <p:sldId id="261" r:id="rId7"/>
+    <p:sldId id="262" r:id="rId8"/>
   </p:sldIdLst>
   <p:sldSz cx="9144000" cy="5143500" type="screen16x9"/>
   <p:notesSz cx="6858000" cy="9144000"/>
@@ -960,121 +961,6 @@
   <p:cSld>
     <p:spTree>
       <p:nvGrpSpPr>
-        <p:cNvPr id="1" name="Shape 74"/>
-        <p:cNvGrpSpPr/>
-        <p:nvPr/>
-      </p:nvGrpSpPr>
-      <p:grpSpPr>
-        <a:xfrm>
-          <a:off x="0" y="0"/>
-          <a:ext cx="0" cy="0"/>
-          <a:chOff x="0" y="0"/>
-          <a:chExt cx="0" cy="0"/>
-        </a:xfrm>
-      </p:grpSpPr>
-      <p:sp>
-        <p:nvSpPr>
-          <p:cNvPr id="75" name="Google Shape;75;gf6254c5e42_0_25:notes"/>
-          <p:cNvSpPr>
-            <a:spLocks noGrp="1" noRot="1" noChangeAspect="1"/>
-          </p:cNvSpPr>
-          <p:nvPr>
-            <p:ph type="sldImg" idx="2"/>
-          </p:nvPr>
-        </p:nvSpPr>
-        <p:spPr>
-          <a:xfrm>
-            <a:off x="381000" y="685800"/>
-            <a:ext cx="6096000" cy="3429000"/>
-          </a:xfrm>
-          <a:custGeom>
-            <a:avLst/>
-            <a:gdLst/>
-            <a:ahLst/>
-            <a:cxnLst/>
-            <a:rect l="l" t="t" r="r" b="b"/>
-            <a:pathLst>
-              <a:path w="120000" h="120000" extrusionOk="0">
-                <a:moveTo>
-                  <a:pt x="0" y="0"/>
-                </a:moveTo>
-                <a:lnTo>
-                  <a:pt x="120000" y="0"/>
-                </a:lnTo>
-                <a:lnTo>
-                  <a:pt x="120000" y="120000"/>
-                </a:lnTo>
-                <a:lnTo>
-                  <a:pt x="0" y="120000"/>
-                </a:lnTo>
-                <a:close/>
-              </a:path>
-            </a:pathLst>
-          </a:custGeom>
-        </p:spPr>
-      </p:sp>
-      <p:sp>
-        <p:nvSpPr>
-          <p:cNvPr id="76" name="Google Shape;76;gf6254c5e42_0_25:notes"/>
-          <p:cNvSpPr txBox="1">
-            <a:spLocks noGrp="1"/>
-          </p:cNvSpPr>
-          <p:nvPr>
-            <p:ph type="body" idx="1"/>
-          </p:nvPr>
-        </p:nvSpPr>
-        <p:spPr>
-          <a:xfrm>
-            <a:off x="685800" y="4343400"/>
-            <a:ext cx="5486400" cy="4114800"/>
-          </a:xfrm>
-          <a:prstGeom prst="rect">
-            <a:avLst/>
-          </a:prstGeom>
-        </p:spPr>
-        <p:txBody>
-          <a:bodyPr spcFirstLastPara="1" wrap="square" lIns="91425" tIns="91425" rIns="91425" bIns="91425" anchor="t" anchorCtr="0">
-            <a:noAutofit/>
-          </a:bodyPr>
-          <a:lstStyle/>
-          <a:p>
-            <a:pPr marL="457200" lvl="0" indent="0" algn="l" rtl="0">
-              <a:lnSpc>
-                <a:spcPct val="115000"/>
-              </a:lnSpc>
-              <a:spcBef>
-                <a:spcPts val="0"/>
-              </a:spcBef>
-              <a:spcAft>
-                <a:spcPts val="1200"/>
-              </a:spcAft>
-              <a:buNone/>
-            </a:pPr>
-            <a:r>
-              <a:rPr lang="pt-BR" sz="1800">
-                <a:solidFill>
-                  <a:srgbClr val="595959"/>
-                </a:solidFill>
-              </a:rPr>
-              <a:t>Métricas de avaliação do modelo proposto</a:t>
-            </a:r>
-            <a:endParaRPr/>
-          </a:p>
-        </p:txBody>
-      </p:sp>
-    </p:spTree>
-  </p:cSld>
-  <p:clrMapOvr>
-    <a:masterClrMapping/>
-  </p:clrMapOvr>
-</p:notes>
-</file>
-
-<file path=ppt/notesSlides/notesSlide4.xml><?xml version="1.0" encoding="utf-8"?>
-<p:notes xmlns:a="http://schemas.openxmlformats.org/drawingml/2006/main" xmlns:r="http://schemas.openxmlformats.org/officeDocument/2006/relationships" xmlns:p="http://schemas.openxmlformats.org/presentationml/2006/main" showMasterSp="0" showMasterPhAnim="0">
-  <p:cSld>
-    <p:spTree>
-      <p:nvGrpSpPr>
         <p:cNvPr id="1" name="Shape 62"/>
         <p:cNvGrpSpPr/>
         <p:nvPr/>
@@ -1190,7 +1076,7 @@
 </p:notes>
 </file>
 
-<file path=ppt/notesSlides/notesSlide5.xml><?xml version="1.0" encoding="utf-8"?>
+<file path=ppt/notesSlides/notesSlide4.xml><?xml version="1.0" encoding="utf-8"?>
 <p:notes xmlns:a="http://schemas.openxmlformats.org/drawingml/2006/main" xmlns:r="http://schemas.openxmlformats.org/officeDocument/2006/relationships" xmlns:p="http://schemas.openxmlformats.org/presentationml/2006/main" showMasterSp="0" showMasterPhAnim="0">
   <p:cSld>
     <p:spTree>
@@ -1305,7 +1191,7 @@
 </p:notes>
 </file>
 
-<file path=ppt/notesSlides/notesSlide6.xml><?xml version="1.0" encoding="utf-8"?>
+<file path=ppt/notesSlides/notesSlide5.xml><?xml version="1.0" encoding="utf-8"?>
 <p:notes xmlns:a="http://schemas.openxmlformats.org/drawingml/2006/main" xmlns:r="http://schemas.openxmlformats.org/officeDocument/2006/relationships" xmlns:p="http://schemas.openxmlformats.org/presentationml/2006/main" showMasterSp="0" showMasterPhAnim="0">
   <p:cSld>
     <p:spTree>
@@ -6328,7 +6214,7 @@
         </p:nvSpPr>
         <p:spPr>
           <a:xfrm>
-            <a:off x="311700" y="445025"/>
+            <a:off x="311700" y="311675"/>
             <a:ext cx="8520600" cy="572700"/>
           </a:xfrm>
           <a:prstGeom prst="rect">
@@ -6351,10 +6237,10 @@
               <a:buNone/>
             </a:pPr>
             <a:r>
-              <a:rPr lang="pt-BR"/>
-              <a:t>Descrição do Projeto</a:t>
-            </a:r>
-            <a:endParaRPr/>
+              <a:rPr lang="pt-BR" dirty="0"/>
+              <a:t>Lembrando sobre o Projeto</a:t>
+            </a:r>
+            <a:endParaRPr dirty="0"/>
           </a:p>
         </p:txBody>
       </p:sp>
@@ -6370,8 +6256,8 @@
         </p:nvSpPr>
         <p:spPr>
           <a:xfrm>
-            <a:off x="311700" y="1152475"/>
-            <a:ext cx="8520600" cy="3279825"/>
+            <a:off x="311700" y="884375"/>
+            <a:ext cx="8520600" cy="3890825"/>
           </a:xfrm>
           <a:prstGeom prst="rect">
             <a:avLst/>
@@ -6383,6 +6269,22 @@
           </a:bodyPr>
           <a:lstStyle/>
           <a:p>
+            <a:pPr marL="114300" lvl="0" indent="0" algn="l" rtl="0">
+              <a:spcBef>
+                <a:spcPts val="0"/>
+              </a:spcBef>
+              <a:spcAft>
+                <a:spcPts val="0"/>
+              </a:spcAft>
+              <a:buSzPts val="1800"/>
+              <a:buNone/>
+            </a:pPr>
+            <a:r>
+              <a:rPr lang="pt-BR" sz="1600" dirty="0"/>
+              <a:t>Objetivo:</a:t>
+            </a:r>
+          </a:p>
+          <a:p>
             <a:pPr marL="457200" lvl="0" indent="-342900" algn="l" rtl="0">
               <a:spcBef>
                 <a:spcPts val="0"/>
@@ -6394,77 +6296,158 @@
               <a:buChar char="-"/>
             </a:pPr>
             <a:r>
-              <a:rPr lang="pt-BR" dirty="0"/>
-              <a:t>Verificar o impacto que ruídos na query causam na efetividade da busca, em alguns mecanismos, tais como:</a:t>
-            </a:r>
-            <a:endParaRPr dirty="0"/>
+              <a:rPr lang="pt-BR" sz="1600" dirty="0"/>
+              <a:t>Verificar o impacto que ruídos na query causam na efetividade da busca, em alguns mecanismos: Baseline (BM25),  </a:t>
+            </a:r>
+            <a:r>
+              <a:rPr lang="pt-BR" sz="1600" dirty="0" err="1"/>
+              <a:t>Rerank</a:t>
+            </a:r>
+            <a:r>
+              <a:rPr lang="pt-BR" sz="1600" dirty="0"/>
+              <a:t> (BM25 + MonoT5) e </a:t>
+            </a:r>
+            <a:r>
+              <a:rPr lang="pt-BR" sz="1600" dirty="0" err="1"/>
+              <a:t>Dense</a:t>
+            </a:r>
+            <a:r>
+              <a:rPr lang="pt-BR" sz="1600" dirty="0"/>
+              <a:t> </a:t>
+            </a:r>
+            <a:r>
+              <a:rPr lang="pt-BR" sz="1600" dirty="0" err="1"/>
+              <a:t>representation</a:t>
+            </a:r>
+            <a:r>
+              <a:rPr lang="pt-BR" sz="1600" dirty="0"/>
+              <a:t> </a:t>
+            </a:r>
           </a:p>
           <a:p>
-            <a:pPr marL="914400" lvl="1" indent="-317500" algn="l" rtl="0">
+            <a:pPr marL="139700" indent="0">
               <a:spcBef>
                 <a:spcPts val="1000"/>
               </a:spcBef>
-              <a:spcAft>
-                <a:spcPts val="0"/>
-              </a:spcAft>
+              <a:buSzPts val="1400"/>
+              <a:buNone/>
+            </a:pPr>
+            <a:r>
+              <a:rPr lang="pt-BR" sz="1600" dirty="0"/>
+              <a:t>Métrica:</a:t>
+            </a:r>
+          </a:p>
+          <a:p>
+            <a:pPr indent="-317500">
+              <a:spcBef>
+                <a:spcPts val="1000"/>
+              </a:spcBef>
               <a:buSzPts val="1400"/>
               <a:buChar char="-"/>
             </a:pPr>
             <a:r>
-              <a:rPr lang="pt-BR" dirty="0"/>
-              <a:t>Baseline (BM25)</a:t>
-            </a:r>
-            <a:endParaRPr dirty="0"/>
+              <a:rPr lang="pt-BR" sz="1600" dirty="0"/>
+              <a:t>nDCG@10 - </a:t>
+            </a:r>
+            <a:r>
+              <a:rPr lang="pt-BR" sz="1600" dirty="0" err="1"/>
+              <a:t>Normalized</a:t>
+            </a:r>
+            <a:r>
+              <a:rPr lang="pt-BR" sz="1600" dirty="0"/>
+              <a:t> </a:t>
+            </a:r>
+            <a:r>
+              <a:rPr lang="pt-BR" sz="1600" dirty="0" err="1"/>
+              <a:t>Discounted</a:t>
+            </a:r>
+            <a:r>
+              <a:rPr lang="pt-BR" sz="1600" dirty="0"/>
+              <a:t> </a:t>
+            </a:r>
+            <a:r>
+              <a:rPr lang="pt-BR" sz="1600" dirty="0" err="1"/>
+              <a:t>Cumulative</a:t>
+            </a:r>
+            <a:r>
+              <a:rPr lang="pt-BR" sz="1600" dirty="0"/>
+              <a:t> </a:t>
+            </a:r>
+            <a:r>
+              <a:rPr lang="pt-BR" sz="1600" dirty="0" err="1"/>
+              <a:t>Grain</a:t>
+            </a:r>
+            <a:r>
+              <a:rPr lang="pt-BR" sz="1600" dirty="0"/>
+              <a:t> com recorte de 10.</a:t>
+            </a:r>
           </a:p>
           <a:p>
-            <a:pPr marL="914400" lvl="1" indent="-317500" algn="l" rtl="0">
+            <a:pPr marL="139700" indent="0">
               <a:spcBef>
                 <a:spcPts val="1000"/>
               </a:spcBef>
-              <a:spcAft>
-                <a:spcPts val="0"/>
-              </a:spcAft>
+              <a:buSzPts val="1400"/>
+              <a:buNone/>
+            </a:pPr>
+            <a:r>
+              <a:rPr lang="pt-BR" sz="1600" dirty="0" err="1"/>
+              <a:t>Dataset</a:t>
+            </a:r>
+            <a:r>
+              <a:rPr lang="pt-BR" sz="1600" dirty="0"/>
+              <a:t>:</a:t>
+            </a:r>
+          </a:p>
+          <a:p>
+            <a:pPr indent="-317500">
+              <a:spcBef>
+                <a:spcPts val="1000"/>
+              </a:spcBef>
               <a:buSzPts val="1400"/>
               <a:buChar char="-"/>
             </a:pPr>
             <a:r>
-              <a:rPr lang="pt-BR" dirty="0" err="1"/>
-              <a:t>Rerank</a:t>
-            </a:r>
-            <a:r>
-              <a:rPr lang="pt-BR" dirty="0"/>
-              <a:t> (BM25 + MonoT5)</a:t>
-            </a:r>
-            <a:endParaRPr dirty="0"/>
+              <a:rPr lang="pt-BR" sz="1600" dirty="0"/>
+              <a:t>TREC 2020 DL </a:t>
+            </a:r>
+            <a:r>
+              <a:rPr lang="pt-BR" sz="1600" dirty="0" err="1"/>
+              <a:t>passage</a:t>
+            </a:r>
+            <a:r>
+              <a:rPr lang="pt-BR" sz="1600" dirty="0"/>
+              <a:t>, contendo 54 queries avaliadas sobre a base do MSMARCO </a:t>
+            </a:r>
+            <a:r>
+              <a:rPr lang="pt-BR" sz="1600" dirty="0" err="1"/>
+              <a:t>passage</a:t>
+            </a:r>
+            <a:r>
+              <a:rPr lang="pt-BR" sz="1600" dirty="0"/>
+              <a:t> corpus, e uma média de 210,9 julgamentos por query.</a:t>
+            </a:r>
           </a:p>
           <a:p>
-            <a:pPr marL="914400" lvl="1" indent="-317500" algn="l" rtl="0">
+            <a:pPr marL="139700" indent="0">
               <a:spcBef>
                 <a:spcPts val="1000"/>
               </a:spcBef>
-              <a:spcAft>
-                <a:spcPts val="0"/>
-              </a:spcAft>
               <a:buSzPts val="1400"/>
-              <a:buChar char="-"/>
+              <a:buNone/>
             </a:pPr>
             <a:r>
-              <a:rPr lang="pt-BR" dirty="0" err="1"/>
-              <a:t>Dense</a:t>
-            </a:r>
-            <a:r>
-              <a:rPr lang="pt-BR" dirty="0"/>
-              <a:t> </a:t>
-            </a:r>
-            <a:r>
-              <a:rPr lang="pt-BR" dirty="0" err="1"/>
-              <a:t>representation</a:t>
-            </a:r>
-            <a:r>
-              <a:rPr lang="pt-BR" dirty="0"/>
-              <a:t> </a:t>
-            </a:r>
-            <a:endParaRPr dirty="0"/>
+              <a:rPr lang="pt-BR" sz="1600" dirty="0"/>
+              <a:t>Obs.: se der tempo, tentaremos repetir as experiências com </a:t>
+            </a:r>
+            <a:r>
+              <a:rPr lang="pt-BR" sz="1600" dirty="0" err="1"/>
+              <a:t>dataset</a:t>
+            </a:r>
+            <a:r>
+              <a:rPr lang="pt-BR" sz="1600" dirty="0"/>
+              <a:t> em português.</a:t>
+            </a:r>
           </a:p>
         </p:txBody>
       </p:sp>
@@ -6477,258 +6460,6 @@
 </file>
 
 <file path=ppt/slides/slide3.xml><?xml version="1.0" encoding="utf-8"?>
-<p:sld xmlns:a="http://schemas.openxmlformats.org/drawingml/2006/main" xmlns:r="http://schemas.openxmlformats.org/officeDocument/2006/relationships" xmlns:p="http://schemas.openxmlformats.org/presentationml/2006/main">
-  <p:cSld>
-    <p:spTree>
-      <p:nvGrpSpPr>
-        <p:cNvPr id="1" name="Shape 77"/>
-        <p:cNvGrpSpPr/>
-        <p:nvPr/>
-      </p:nvGrpSpPr>
-      <p:grpSpPr>
-        <a:xfrm>
-          <a:off x="0" y="0"/>
-          <a:ext cx="0" cy="0"/>
-          <a:chOff x="0" y="0"/>
-          <a:chExt cx="0" cy="0"/>
-        </a:xfrm>
-      </p:grpSpPr>
-      <p:sp>
-        <p:nvSpPr>
-          <p:cNvPr id="78" name="Google Shape;78;p17"/>
-          <p:cNvSpPr txBox="1">
-            <a:spLocks noGrp="1"/>
-          </p:cNvSpPr>
-          <p:nvPr>
-            <p:ph type="title"/>
-          </p:nvPr>
-        </p:nvSpPr>
-        <p:spPr>
-          <a:xfrm>
-            <a:off x="311700" y="445025"/>
-            <a:ext cx="8520600" cy="572700"/>
-          </a:xfrm>
-          <a:prstGeom prst="rect">
-            <a:avLst/>
-          </a:prstGeom>
-        </p:spPr>
-        <p:txBody>
-          <a:bodyPr spcFirstLastPara="1" wrap="square" lIns="91425" tIns="91425" rIns="91425" bIns="91425" anchor="t" anchorCtr="0">
-            <a:normAutofit fontScale="90000"/>
-          </a:bodyPr>
-          <a:lstStyle/>
-          <a:p>
-            <a:pPr marL="0" lvl="0" indent="0" algn="l" rtl="0">
-              <a:spcBef>
-                <a:spcPts val="0"/>
-              </a:spcBef>
-              <a:spcAft>
-                <a:spcPts val="0"/>
-              </a:spcAft>
-              <a:buNone/>
-            </a:pPr>
-            <a:r>
-              <a:rPr lang="pt-BR" dirty="0"/>
-              <a:t>Lembrando...</a:t>
-            </a:r>
-            <a:endParaRPr dirty="0"/>
-          </a:p>
-        </p:txBody>
-      </p:sp>
-      <p:sp>
-        <p:nvSpPr>
-          <p:cNvPr id="5" name="CaixaDeTexto 4">
-            <a:extLst>
-              <a:ext uri="{FF2B5EF4-FFF2-40B4-BE49-F238E27FC236}">
-                <a16:creationId xmlns:a16="http://schemas.microsoft.com/office/drawing/2014/main" id="{B7E84C74-A838-4810-8F36-5D3A3BB11ABD}"/>
-              </a:ext>
-            </a:extLst>
-          </p:cNvPr>
-          <p:cNvSpPr txBox="1"/>
-          <p:nvPr/>
-        </p:nvSpPr>
-        <p:spPr>
-          <a:xfrm>
-            <a:off x="311700" y="1426915"/>
-            <a:ext cx="8019500" cy="2554545"/>
-          </a:xfrm>
-          <a:prstGeom prst="rect">
-            <a:avLst/>
-          </a:prstGeom>
-          <a:noFill/>
-        </p:spPr>
-        <p:txBody>
-          <a:bodyPr wrap="square">
-            <a:spAutoFit/>
-          </a:bodyPr>
-          <a:lstStyle/>
-          <a:p>
-            <a:r>
-              <a:rPr lang="pt-BR" dirty="0"/>
-              <a:t>Métrica:</a:t>
-            </a:r>
-          </a:p>
-          <a:p>
-            <a:endParaRPr lang="pt-BR" dirty="0"/>
-          </a:p>
-          <a:p>
-            <a:r>
-              <a:rPr lang="pt-BR" dirty="0"/>
-              <a:t>        nDCG@10 - </a:t>
-            </a:r>
-            <a:r>
-              <a:rPr lang="pt-BR" dirty="0" err="1"/>
-              <a:t>Normalized</a:t>
-            </a:r>
-            <a:r>
-              <a:rPr lang="pt-BR" dirty="0"/>
-              <a:t> </a:t>
-            </a:r>
-            <a:r>
-              <a:rPr lang="pt-BR" dirty="0" err="1"/>
-              <a:t>Discounted</a:t>
-            </a:r>
-            <a:r>
-              <a:rPr lang="pt-BR" dirty="0"/>
-              <a:t> </a:t>
-            </a:r>
-            <a:r>
-              <a:rPr lang="pt-BR" dirty="0" err="1"/>
-              <a:t>Cumulative</a:t>
-            </a:r>
-            <a:r>
-              <a:rPr lang="pt-BR" dirty="0"/>
-              <a:t> </a:t>
-            </a:r>
-            <a:r>
-              <a:rPr lang="pt-BR" dirty="0" err="1"/>
-              <a:t>Grain</a:t>
-            </a:r>
-            <a:r>
-              <a:rPr lang="pt-BR" dirty="0"/>
-              <a:t> com recorte de 10.</a:t>
-            </a:r>
-          </a:p>
-          <a:p>
-            <a:pPr marL="0" lvl="0" indent="0" algn="l" rtl="0">
-              <a:spcBef>
-                <a:spcPts val="0"/>
-              </a:spcBef>
-              <a:spcAft>
-                <a:spcPts val="0"/>
-              </a:spcAft>
-              <a:buNone/>
-            </a:pPr>
-            <a:endParaRPr lang="pt-BR" dirty="0"/>
-          </a:p>
-          <a:p>
-            <a:pPr marL="0" lvl="0" indent="0" algn="l" rtl="0">
-              <a:spcBef>
-                <a:spcPts val="0"/>
-              </a:spcBef>
-              <a:spcAft>
-                <a:spcPts val="0"/>
-              </a:spcAft>
-              <a:buNone/>
-            </a:pPr>
-            <a:r>
-              <a:rPr lang="pt-BR" dirty="0" err="1"/>
-              <a:t>Dataset</a:t>
-            </a:r>
-            <a:r>
-              <a:rPr lang="pt-BR" dirty="0"/>
-              <a:t>:</a:t>
-            </a:r>
-          </a:p>
-          <a:p>
-            <a:pPr marL="0" lvl="0" indent="0" algn="l" rtl="0">
-              <a:spcBef>
-                <a:spcPts val="0"/>
-              </a:spcBef>
-              <a:spcAft>
-                <a:spcPts val="0"/>
-              </a:spcAft>
-              <a:buNone/>
-            </a:pPr>
-            <a:endParaRPr lang="pt-BR" dirty="0"/>
-          </a:p>
-          <a:p>
-            <a:pPr marL="0" lvl="0" indent="0" algn="l" rtl="0">
-              <a:spcBef>
-                <a:spcPts val="0"/>
-              </a:spcBef>
-              <a:spcAft>
-                <a:spcPts val="0"/>
-              </a:spcAft>
-              <a:buNone/>
-            </a:pPr>
-            <a:r>
-              <a:rPr lang="pt-BR" dirty="0"/>
-              <a:t>        TREC 2020 DL </a:t>
-            </a:r>
-            <a:r>
-              <a:rPr lang="pt-BR" dirty="0" err="1"/>
-              <a:t>passage</a:t>
-            </a:r>
-            <a:r>
-              <a:rPr lang="pt-BR" dirty="0"/>
-              <a:t>, contendo 54 queries avaliadas sobre a base do MSMARCO </a:t>
-            </a:r>
-            <a:r>
-              <a:rPr lang="pt-BR" dirty="0" err="1"/>
-              <a:t>passage</a:t>
-            </a:r>
-            <a:r>
-              <a:rPr lang="pt-BR" dirty="0"/>
-              <a:t> corpus, e uma média de 210,9 julgamentos por query.</a:t>
-            </a:r>
-          </a:p>
-          <a:p>
-            <a:pPr marL="0" lvl="0" indent="0" algn="l" rtl="0">
-              <a:spcBef>
-                <a:spcPts val="1200"/>
-              </a:spcBef>
-              <a:spcAft>
-                <a:spcPts val="0"/>
-              </a:spcAft>
-              <a:buNone/>
-            </a:pPr>
-            <a:endParaRPr lang="pt-BR" dirty="0"/>
-          </a:p>
-          <a:p>
-            <a:pPr marL="0" lvl="0" indent="0" algn="l" rtl="0">
-              <a:spcBef>
-                <a:spcPts val="1200"/>
-              </a:spcBef>
-              <a:spcAft>
-                <a:spcPts val="0"/>
-              </a:spcAft>
-              <a:buNone/>
-            </a:pPr>
-            <a:r>
-              <a:rPr lang="pt-BR" dirty="0"/>
-              <a:t>Obs.: se der tempo, tentaremos repetir as experiências com </a:t>
-            </a:r>
-            <a:r>
-              <a:rPr lang="pt-BR" dirty="0" err="1"/>
-              <a:t>dataset</a:t>
-            </a:r>
-            <a:r>
-              <a:rPr lang="pt-BR" dirty="0"/>
-              <a:t> em português.</a:t>
-            </a:r>
-          </a:p>
-        </p:txBody>
-      </p:sp>
-    </p:spTree>
-  </p:cSld>
-  <p:clrMapOvr>
-    <a:masterClrMapping/>
-  </p:clrMapOvr>
-</p:sld>
-</file>
-
-<file path=ppt/slides/slide4.xml><?xml version="1.0" encoding="utf-8"?>
 <p:sld xmlns:a="http://schemas.openxmlformats.org/drawingml/2006/main" xmlns:r="http://schemas.openxmlformats.org/officeDocument/2006/relationships" xmlns:p="http://schemas.openxmlformats.org/presentationml/2006/main">
   <p:cSld>
     <p:spTree>
@@ -7194,7 +6925,199 @@
 </p:sld>
 </file>
 
+<file path=ppt/slides/slide4.xml><?xml version="1.0" encoding="utf-8"?>
+<p:sld xmlns:a="http://schemas.openxmlformats.org/drawingml/2006/main" xmlns:r="http://schemas.openxmlformats.org/officeDocument/2006/relationships" xmlns:p="http://schemas.openxmlformats.org/presentationml/2006/main">
+  <p:cSld>
+    <p:spTree>
+      <p:nvGrpSpPr>
+        <p:cNvPr id="1" name=""/>
+        <p:cNvGrpSpPr/>
+        <p:nvPr/>
+      </p:nvGrpSpPr>
+      <p:grpSpPr>
+        <a:xfrm>
+          <a:off x="0" y="0"/>
+          <a:ext cx="0" cy="0"/>
+          <a:chOff x="0" y="0"/>
+          <a:chExt cx="0" cy="0"/>
+        </a:xfrm>
+      </p:grpSpPr>
+      <p:sp>
+        <p:nvSpPr>
+          <p:cNvPr id="2" name="Título 1">
+            <a:extLst>
+              <a:ext uri="{FF2B5EF4-FFF2-40B4-BE49-F238E27FC236}">
+                <a16:creationId xmlns:a16="http://schemas.microsoft.com/office/drawing/2014/main" id="{9C66CA0E-FE44-4532-9EE4-B051835B313B}"/>
+              </a:ext>
+            </a:extLst>
+          </p:cNvPr>
+          <p:cNvSpPr>
+            <a:spLocks noGrp="1"/>
+          </p:cNvSpPr>
+          <p:nvPr>
+            <p:ph type="title"/>
+          </p:nvPr>
+        </p:nvSpPr>
+        <p:spPr>
+          <a:xfrm>
+            <a:off x="311700" y="445025"/>
+            <a:ext cx="2641050" cy="572700"/>
+          </a:xfrm>
+        </p:spPr>
+        <p:txBody>
+          <a:bodyPr>
+            <a:normAutofit fontScale="90000"/>
+          </a:bodyPr>
+          <a:lstStyle/>
+          <a:p>
+            <a:r>
+              <a:rPr lang="pt-BR" dirty="0"/>
+              <a:t>Gráficos </a:t>
+            </a:r>
+            <a:br>
+              <a:rPr lang="pt-BR" dirty="0"/>
+            </a:br>
+            <a:r>
+              <a:rPr lang="pt-BR" dirty="0"/>
+              <a:t>intermediários</a:t>
+            </a:r>
+          </a:p>
+        </p:txBody>
+      </p:sp>
+      <p:pic>
+        <p:nvPicPr>
+          <p:cNvPr id="5" name="Imagem 4" descr="Uma imagem contendo Gráfico&#10;&#10;Descrição gerada automaticamente">
+            <a:extLst>
+              <a:ext uri="{FF2B5EF4-FFF2-40B4-BE49-F238E27FC236}">
+                <a16:creationId xmlns:a16="http://schemas.microsoft.com/office/drawing/2014/main" id="{60A71DBA-6857-47B3-9624-C258C5B0357A}"/>
+              </a:ext>
+            </a:extLst>
+          </p:cNvPr>
+          <p:cNvPicPr>
+            <a:picLocks noChangeAspect="1"/>
+          </p:cNvPicPr>
+          <p:nvPr/>
+        </p:nvPicPr>
+        <p:blipFill>
+          <a:blip r:embed="rId2"/>
+          <a:stretch>
+            <a:fillRect/>
+          </a:stretch>
+        </p:blipFill>
+        <p:spPr>
+          <a:xfrm>
+            <a:off x="2825480" y="308193"/>
+            <a:ext cx="4832620" cy="4386417"/>
+          </a:xfrm>
+          <a:prstGeom prst="rect">
+            <a:avLst/>
+          </a:prstGeom>
+        </p:spPr>
+      </p:pic>
+    </p:spTree>
+    <p:extLst>
+      <p:ext uri="{BB962C8B-B14F-4D97-AF65-F5344CB8AC3E}">
+        <p14:creationId xmlns:p14="http://schemas.microsoft.com/office/powerpoint/2010/main" val="1327890014"/>
+      </p:ext>
+    </p:extLst>
+  </p:cSld>
+  <p:clrMapOvr>
+    <a:masterClrMapping/>
+  </p:clrMapOvr>
+</p:sld>
+</file>
+
 <file path=ppt/slides/slide5.xml><?xml version="1.0" encoding="utf-8"?>
+<p:sld xmlns:a="http://schemas.openxmlformats.org/drawingml/2006/main" xmlns:r="http://schemas.openxmlformats.org/officeDocument/2006/relationships" xmlns:p="http://schemas.openxmlformats.org/presentationml/2006/main">
+  <p:cSld>
+    <p:spTree>
+      <p:nvGrpSpPr>
+        <p:cNvPr id="1" name=""/>
+        <p:cNvGrpSpPr/>
+        <p:nvPr/>
+      </p:nvGrpSpPr>
+      <p:grpSpPr>
+        <a:xfrm>
+          <a:off x="0" y="0"/>
+          <a:ext cx="0" cy="0"/>
+          <a:chOff x="0" y="0"/>
+          <a:chExt cx="0" cy="0"/>
+        </a:xfrm>
+      </p:grpSpPr>
+      <p:sp>
+        <p:nvSpPr>
+          <p:cNvPr id="2" name="Título 1">
+            <a:extLst>
+              <a:ext uri="{FF2B5EF4-FFF2-40B4-BE49-F238E27FC236}">
+                <a16:creationId xmlns:a16="http://schemas.microsoft.com/office/drawing/2014/main" id="{9C66CA0E-FE44-4532-9EE4-B051835B313B}"/>
+              </a:ext>
+            </a:extLst>
+          </p:cNvPr>
+          <p:cNvSpPr>
+            <a:spLocks noGrp="1"/>
+          </p:cNvSpPr>
+          <p:nvPr>
+            <p:ph type="title"/>
+          </p:nvPr>
+        </p:nvSpPr>
+        <p:spPr/>
+        <p:txBody>
+          <a:bodyPr>
+            <a:normAutofit fontScale="90000"/>
+          </a:bodyPr>
+          <a:lstStyle/>
+          <a:p>
+            <a:r>
+              <a:rPr lang="pt-BR" dirty="0"/>
+              <a:t>Gráficos intermediários</a:t>
+            </a:r>
+          </a:p>
+        </p:txBody>
+      </p:sp>
+      <p:pic>
+        <p:nvPicPr>
+          <p:cNvPr id="7" name="Imagem 6" descr="Gráfico, Gráfico de caixa estreita&#10;&#10;Descrição gerada automaticamente">
+            <a:extLst>
+              <a:ext uri="{FF2B5EF4-FFF2-40B4-BE49-F238E27FC236}">
+                <a16:creationId xmlns:a16="http://schemas.microsoft.com/office/drawing/2014/main" id="{6D4DE8CD-2689-4600-B0C9-FD4FEDCD8F7F}"/>
+              </a:ext>
+            </a:extLst>
+          </p:cNvPr>
+          <p:cNvPicPr>
+            <a:picLocks noChangeAspect="1"/>
+          </p:cNvPicPr>
+          <p:nvPr/>
+        </p:nvPicPr>
+        <p:blipFill>
+          <a:blip r:embed="rId2"/>
+          <a:stretch>
+            <a:fillRect/>
+          </a:stretch>
+        </p:blipFill>
+        <p:spPr>
+          <a:xfrm>
+            <a:off x="1753962" y="1106698"/>
+            <a:ext cx="5937756" cy="3516886"/>
+          </a:xfrm>
+          <a:prstGeom prst="rect">
+            <a:avLst/>
+          </a:prstGeom>
+        </p:spPr>
+      </p:pic>
+    </p:spTree>
+    <p:extLst>
+      <p:ext uri="{BB962C8B-B14F-4D97-AF65-F5344CB8AC3E}">
+        <p14:creationId xmlns:p14="http://schemas.microsoft.com/office/powerpoint/2010/main" val="1228944144"/>
+      </p:ext>
+    </p:extLst>
+  </p:cSld>
+  <p:clrMapOvr>
+    <a:masterClrMapping/>
+  </p:clrMapOvr>
+</p:sld>
+</file>
+
+<file path=ppt/slides/slide6.xml><?xml version="1.0" encoding="utf-8"?>
 <p:sld xmlns:a="http://schemas.openxmlformats.org/drawingml/2006/main" xmlns:r="http://schemas.openxmlformats.org/officeDocument/2006/relationships" xmlns:p="http://schemas.openxmlformats.org/presentationml/2006/main">
   <p:cSld>
     <p:spTree>
@@ -7357,7 +7280,7 @@
 </p:sld>
 </file>
 
-<file path=ppt/slides/slide6.xml><?xml version="1.0" encoding="utf-8"?>
+<file path=ppt/slides/slide7.xml><?xml version="1.0" encoding="utf-8"?>
 <p:sld xmlns:a="http://schemas.openxmlformats.org/drawingml/2006/main" xmlns:r="http://schemas.openxmlformats.org/officeDocument/2006/relationships" xmlns:p="http://schemas.openxmlformats.org/presentationml/2006/main">
   <p:cSld>
     <p:spTree>
